--- a/slides/09-16-Scientific_Literature.pptx
+++ b/slides/09-16-Scientific_Literature.pptx
@@ -13,6 +13,7 @@
     <p:sldId id="258" r:id="rId10"/>
     <p:sldId id="259" r:id="rId11"/>
     <p:sldId id="260" r:id="rId12"/>
+    <p:sldId id="261" r:id="rId13"/>
   </p:sldIdLst>
   <p:sldSz cx="24384000" cy="13716000"/>
   <p:notesSz cx="6858000" cy="9144000"/>
@@ -3206,7 +3207,7 @@
       </p:grpSpPr>
       <p:sp>
         <p:nvSpPr>
-          <p:cNvPr id="137" name="9/12/2022"/>
+          <p:cNvPr id="137" name="9/16/2024"/>
           <p:cNvSpPr txBox="1"/>
           <p:nvPr>
             <p:ph type="title"/>
@@ -3223,7 +3224,7 @@
           <a:p>
             <a:pPr lvl="1"/>
             <a:r>
-              <a:t>9/12/2022</a:t>
+              <a:t>9/16/2024</a:t>
             </a:r>
           </a:p>
         </p:txBody>
@@ -3350,7 +3351,7 @@
       </p:grpSpPr>
       <p:sp>
         <p:nvSpPr>
-          <p:cNvPr id="141" name="Biochemistry-related databases"/>
+          <p:cNvPr id="141" name="Quiz 1"/>
           <p:cNvSpPr txBox="1"/>
           <p:nvPr>
             <p:ph type="title"/>
@@ -3367,20 +3368,24 @@
           <a:p>
             <a:pPr/>
             <a:r>
-              <a:t>Biochemistry-related databases</a:t>
+              <a:t>Quiz 1</a:t>
             </a:r>
           </a:p>
         </p:txBody>
       </p:sp>
       <p:sp>
         <p:nvSpPr>
-          <p:cNvPr id="142" name="Google/Google Scholar…"/>
+          <p:cNvPr id="142" name="Go to the Canvas page and look under “Assignments” to find Quiz 1.…"/>
           <p:cNvSpPr txBox="1"/>
           <p:nvPr>
-            <p:ph type="body" idx="1"/>
+            <p:ph type="body" sz="quarter" idx="1"/>
           </p:nvPr>
         </p:nvSpPr>
         <p:spPr>
+          <a:xfrm>
+            <a:off x="635000" y="3175000"/>
+            <a:ext cx="6345438" cy="9842500"/>
+          </a:xfrm>
           <a:prstGeom prst="rect">
             <a:avLst/>
           </a:prstGeom>
@@ -3389,36 +3394,35 @@
           <a:bodyPr/>
           <a:lstStyle/>
           <a:p>
-            <a:pPr/>
-            <a:r>
-              <a:t>Google/Google Scholar</a:t>
-            </a:r>
-          </a:p>
-          <a:p>
-            <a:pPr/>
-            <a:r>
-              <a:t>Web of Science</a:t>
-            </a:r>
-          </a:p>
-          <a:p>
-            <a:pPr/>
-            <a:r>
-              <a:t>PubMed</a:t>
-            </a:r>
-          </a:p>
-          <a:p>
-            <a:pPr/>
-          </a:p>
-          <a:p>
-            <a:pPr/>
-            <a:r>
-              <a:t>Others: </a:t>
-            </a:r>
-            <a:r>
-              <a:rPr u="sng">
-                <a:hlinkClick r:id="rId2" invalidUrl="" action="" tgtFrame="" tooltip="" history="1" highlightClick="0" endSnd="0"/>
-              </a:rPr>
-              <a:t>https://library.iit.edu/find/databases/popular</a:t>
+            <a:pPr marL="598840" indent="-598840" defTabSz="796885">
+              <a:defRPr sz="4850"/>
+            </a:pPr>
+            <a:r>
+              <a:t>Go to the Canvas page and look under “Assignments” to find Quiz 1.</a:t>
+            </a:r>
+          </a:p>
+          <a:p>
+            <a:pPr marL="598840" indent="-598840" defTabSz="796885">
+              <a:defRPr sz="4850"/>
+            </a:pPr>
+            <a:r>
+              <a:t>Download the file</a:t>
+            </a:r>
+          </a:p>
+          <a:p>
+            <a:pPr marL="598840" indent="-598840" defTabSz="796885">
+              <a:defRPr sz="4850"/>
+            </a:pPr>
+            <a:r>
+              <a:t>Upload it to your shared folder on Google Drive under  “Exercises”</a:t>
+            </a:r>
+          </a:p>
+          <a:p>
+            <a:pPr marL="598840" indent="-598840" defTabSz="796885">
+              <a:defRPr sz="4850"/>
+            </a:pPr>
+            <a:r>
+              <a:t>Work on it. Save it at the end of the quiz.</a:t>
             </a:r>
           </a:p>
         </p:txBody>
@@ -3454,6 +3458,35 @@
           </a:p>
         </p:txBody>
       </p:sp>
+      <p:pic>
+        <p:nvPicPr>
+          <p:cNvPr id="144" name="pasted-movie.png" descr="pasted-movie.png"/>
+          <p:cNvPicPr>
+            <a:picLocks noChangeAspect="1"/>
+          </p:cNvPicPr>
+          <p:nvPr/>
+        </p:nvPicPr>
+        <p:blipFill>
+          <a:blip r:embed="rId2">
+            <a:extLst/>
+          </a:blip>
+          <a:stretch>
+            <a:fillRect/>
+          </a:stretch>
+        </p:blipFill>
+        <p:spPr>
+          <a:xfrm>
+            <a:off x="8559813" y="5336257"/>
+            <a:ext cx="14608752" cy="5519985"/>
+          </a:xfrm>
+          <a:prstGeom prst="rect">
+            <a:avLst/>
+          </a:prstGeom>
+          <a:ln w="12700">
+            <a:miter lim="400000"/>
+          </a:ln>
+        </p:spPr>
+      </p:pic>
     </p:spTree>
   </p:cSld>
   <p:clrMapOvr>
@@ -3482,7 +3515,7 @@
       </p:grpSpPr>
       <p:sp>
         <p:nvSpPr>
-          <p:cNvPr id="145" name="Accessing articles"/>
+          <p:cNvPr id="146" name="Biochemistry-related databases"/>
           <p:cNvSpPr txBox="1"/>
           <p:nvPr>
             <p:ph type="title"/>
@@ -3499,14 +3532,14 @@
           <a:p>
             <a:pPr/>
             <a:r>
-              <a:t>Accessing articles</a:t>
+              <a:t>Biochemistry-related databases</a:t>
             </a:r>
           </a:p>
         </p:txBody>
       </p:sp>
       <p:sp>
         <p:nvSpPr>
-          <p:cNvPr id="146" name="Free…"/>
+          <p:cNvPr id="147" name="Google/Google Scholar…"/>
           <p:cNvSpPr txBox="1"/>
           <p:nvPr>
             <p:ph type="body" idx="1"/>
@@ -3523,74 +3556,41 @@
           <a:p>
             <a:pPr/>
             <a:r>
-              <a:t>Free</a:t>
-            </a:r>
-          </a:p>
-          <a:p>
-            <a:pPr lvl="1"/>
-            <a:r>
-              <a:t>Open access - article is free online. Usually requires larger author payment</a:t>
-            </a:r>
-          </a:p>
-          <a:p>
-            <a:pPr lvl="1"/>
-            <a:r>
-              <a:t>Many NIH-funded articles are available online after one year</a:t>
-            </a:r>
-          </a:p>
-          <a:p>
-            <a:pPr lvl="1"/>
-            <a:r>
-              <a:t>Preprint servers, e.g. bioarXiv - free, but may not be peer reviewed</a:t>
-            </a:r>
-          </a:p>
-          <a:p>
-            <a:pPr lvl="1"/>
-            <a:r>
-              <a:t>Sometimes available from authors on their websites or upon request</a:t>
-            </a:r>
-          </a:p>
-          <a:p>
-            <a:pPr/>
-            <a:r>
-              <a:t>Paywall</a:t>
-            </a:r>
-          </a:p>
-          <a:p>
-            <a:pPr lvl="1"/>
-            <a:r>
-              <a:t>IIT subscribes to a selection of scientific journals, which can be accessed</a:t>
-            </a:r>
-          </a:p>
-          <a:p>
-            <a:pPr lvl="2"/>
-            <a:r>
-              <a:t>in the library</a:t>
-            </a:r>
-          </a:p>
-          <a:p>
-            <a:pPr lvl="2"/>
-            <a:r>
-              <a:t>online from campus</a:t>
-            </a:r>
-          </a:p>
-          <a:p>
-            <a:pPr lvl="2"/>
-            <a:r>
-              <a:t>via a proxy server or VPN</a:t>
-            </a:r>
-          </a:p>
-          <a:p>
-            <a:pPr lvl="1"/>
-            <a:r>
-              <a:t>Interlibrary loan (MyILL) can be used to request nearly any article, but requires a lead time</a:t>
+              <a:t>Google/Google Scholar</a:t>
+            </a:r>
+          </a:p>
+          <a:p>
+            <a:pPr/>
+            <a:r>
+              <a:t>Web of Science</a:t>
+            </a:r>
+          </a:p>
+          <a:p>
+            <a:pPr/>
+            <a:r>
+              <a:t>PubMed</a:t>
+            </a:r>
+          </a:p>
+          <a:p>
+            <a:pPr/>
+          </a:p>
+          <a:p>
+            <a:pPr/>
+            <a:r>
+              <a:t>Others: </a:t>
+            </a:r>
+            <a:r>
+              <a:rPr u="sng">
+                <a:hlinkClick r:id="rId2" invalidUrl="" action="" tgtFrame="" tooltip="" history="1" highlightClick="0" endSnd="0"/>
+              </a:rPr>
+              <a:t>https://guides.library.iit.edu/c.php?g=474723&amp;p=3248565</a:t>
             </a:r>
           </a:p>
         </p:txBody>
       </p:sp>
       <p:sp>
         <p:nvSpPr>
-          <p:cNvPr id="147" name="Slide Number"/>
+          <p:cNvPr id="148" name="Slide Number"/>
           <p:cNvSpPr txBox="1"/>
           <p:nvPr>
             <p:ph type="sldNum" sz="quarter" idx="2"/>
@@ -3647,7 +3647,7 @@
       </p:grpSpPr>
       <p:sp>
         <p:nvSpPr>
-          <p:cNvPr id="149" name="Search strategies"/>
+          <p:cNvPr id="150" name="Accessing articles"/>
           <p:cNvSpPr txBox="1"/>
           <p:nvPr>
             <p:ph type="title"/>
@@ -3664,14 +3664,14 @@
           <a:p>
             <a:pPr/>
             <a:r>
-              <a:t>Search strategies</a:t>
+              <a:t>Accessing articles</a:t>
             </a:r>
           </a:p>
         </p:txBody>
       </p:sp>
       <p:sp>
         <p:nvSpPr>
-          <p:cNvPr id="150" name="Consider alternative names, e.g. coronavirus main protease and 3cl-like protease.…"/>
+          <p:cNvPr id="151" name="Free…"/>
           <p:cNvSpPr txBox="1"/>
           <p:nvPr>
             <p:ph type="body" idx="1"/>
@@ -3688,44 +3688,209 @@
           <a:p>
             <a:pPr/>
             <a:r>
-              <a:t>Consider alternative names, e.g. coronavirus main protease and 3cl-like protease.</a:t>
-            </a:r>
-          </a:p>
-          <a:p>
-            <a:pPr/>
-            <a:r>
-              <a:t>Proteins from different species are usually similar</a:t>
-            </a:r>
-          </a:p>
-          <a:p>
-            <a:pPr/>
-            <a:r>
-              <a:t>Look at citations</a:t>
+              <a:t>Free</a:t>
             </a:r>
           </a:p>
           <a:p>
             <a:pPr lvl="1"/>
             <a:r>
-              <a:t>cited by an article of interested</a:t>
+              <a:t>Open access - article is free online. Usually requires larger author payment</a:t>
             </a:r>
           </a:p>
           <a:p>
             <a:pPr lvl="1"/>
             <a:r>
-              <a:t>that cite the article of interest</a:t>
-            </a:r>
-          </a:p>
-          <a:p>
-            <a:pPr/>
-            <a:r>
-              <a:t>A research group will often work on similar proteins</a:t>
+              <a:t>Many NIH-funded articles are available online after one year</a:t>
+            </a:r>
+          </a:p>
+          <a:p>
+            <a:pPr lvl="1"/>
+            <a:r>
+              <a:t>Preprint servers, e.g. bioarXiv - free, but may not be peer reviewed</a:t>
+            </a:r>
+          </a:p>
+          <a:p>
+            <a:pPr lvl="1"/>
+            <a:r>
+              <a:t>Sometimes available from authors on their websites or upon request</a:t>
+            </a:r>
+          </a:p>
+          <a:p>
+            <a:pPr/>
+            <a:r>
+              <a:t>Paywall</a:t>
+            </a:r>
+          </a:p>
+          <a:p>
+            <a:pPr lvl="1"/>
+            <a:r>
+              <a:t>IIT subscribes to a selection of scientific journals, which can be accessed</a:t>
+            </a:r>
+          </a:p>
+          <a:p>
+            <a:pPr lvl="2"/>
+            <a:r>
+              <a:t>in the library</a:t>
+            </a:r>
+          </a:p>
+          <a:p>
+            <a:pPr lvl="2"/>
+            <a:r>
+              <a:t>online from campus</a:t>
+            </a:r>
+          </a:p>
+          <a:p>
+            <a:pPr lvl="2"/>
+            <a:r>
+              <a:t>via a proxy server or VPN</a:t>
+            </a:r>
+          </a:p>
+          <a:p>
+            <a:pPr lvl="1"/>
+            <a:r>
+              <a:t>Interlibrary loan (MyILL) can be used to request nearly any article, but requires a lead time</a:t>
             </a:r>
           </a:p>
         </p:txBody>
       </p:sp>
       <p:sp>
         <p:nvSpPr>
-          <p:cNvPr id="151" name="Slide Number"/>
+          <p:cNvPr id="152" name="Slide Number"/>
+          <p:cNvSpPr txBox="1"/>
+          <p:nvPr>
+            <p:ph type="sldNum" sz="quarter" idx="2"/>
+          </p:nvPr>
+        </p:nvSpPr>
+        <p:spPr>
+          <a:xfrm>
+            <a:off x="12020548" y="13010554"/>
+            <a:ext cx="325045" cy="511176"/>
+          </a:xfrm>
+          <a:prstGeom prst="rect">
+            <a:avLst/>
+          </a:prstGeom>
+          <a:extLst>
+            <a:ext uri="{C572A759-6A51-4108-AA02-DFA0A04FC94B}">
+              <ma14:wrappingTextBoxFlag xmlns:ma14="http://schemas.microsoft.com/office/mac/drawingml/2011/main" val="1"/>
+            </a:ext>
+          </a:extLst>
+        </p:spPr>
+        <p:txBody>
+          <a:bodyPr/>
+          <a:lstStyle/>
+          <a:p>
+            <a:pPr/>
+            <a:fld id="{86CB4B4D-7CA3-9044-876B-883B54F8677D}" type="slidenum"/>
+          </a:p>
+        </p:txBody>
+      </p:sp>
+    </p:spTree>
+  </p:cSld>
+  <p:clrMapOvr>
+    <a:masterClrMapping/>
+  </p:clrMapOvr>
+  <p:transition xmlns:p14="http://schemas.microsoft.com/office/powerpoint/2010/main" spd="med" advClick="1"/>
+</p:sld>
+</file>
+
+<file path=ppt/slides/slide5.xml><?xml version="1.0" encoding="utf-8"?>
+<p:sld xmlns:a="http://schemas.openxmlformats.org/drawingml/2006/main" xmlns:r="http://schemas.openxmlformats.org/officeDocument/2006/relationships" xmlns:p="http://schemas.openxmlformats.org/presentationml/2006/main" xmlns:m="http://schemas.openxmlformats.org/officeDocument/2006/math" xmlns:a14="http://schemas.microsoft.com/office/drawing/2010/main" showMasterSp="1" showMasterPhAnim="1">
+  <p:cSld>
+    <p:spTree>
+      <p:nvGrpSpPr>
+        <p:cNvPr id="1" name=""/>
+        <p:cNvGrpSpPr/>
+        <p:nvPr/>
+      </p:nvGrpSpPr>
+      <p:grpSpPr>
+        <a:xfrm>
+          <a:off x="0" y="0"/>
+          <a:ext cx="0" cy="0"/>
+          <a:chOff x="0" y="0"/>
+          <a:chExt cx="0" cy="0"/>
+        </a:xfrm>
+      </p:grpSpPr>
+      <p:sp>
+        <p:nvSpPr>
+          <p:cNvPr id="154" name="Search strategies"/>
+          <p:cNvSpPr txBox="1"/>
+          <p:nvPr>
+            <p:ph type="title"/>
+          </p:nvPr>
+        </p:nvSpPr>
+        <p:spPr>
+          <a:prstGeom prst="rect">
+            <a:avLst/>
+          </a:prstGeom>
+        </p:spPr>
+        <p:txBody>
+          <a:bodyPr/>
+          <a:lstStyle/>
+          <a:p>
+            <a:pPr/>
+            <a:r>
+              <a:t>Search strategies</a:t>
+            </a:r>
+          </a:p>
+        </p:txBody>
+      </p:sp>
+      <p:sp>
+        <p:nvSpPr>
+          <p:cNvPr id="155" name="Consider alternative names, e.g. coronavirus main protease and 3c-like protease.…"/>
+          <p:cNvSpPr txBox="1"/>
+          <p:nvPr>
+            <p:ph type="body" idx="1"/>
+          </p:nvPr>
+        </p:nvSpPr>
+        <p:spPr>
+          <a:prstGeom prst="rect">
+            <a:avLst/>
+          </a:prstGeom>
+        </p:spPr>
+        <p:txBody>
+          <a:bodyPr/>
+          <a:lstStyle/>
+          <a:p>
+            <a:pPr/>
+            <a:r>
+              <a:t>Consider alternative names, e.g. coronavirus main protease and 3c-like protease.</a:t>
+            </a:r>
+          </a:p>
+          <a:p>
+            <a:pPr/>
+            <a:r>
+              <a:t>Proteins from different species are usually similar</a:t>
+            </a:r>
+          </a:p>
+          <a:p>
+            <a:pPr/>
+            <a:r>
+              <a:t>Look at citations</a:t>
+            </a:r>
+          </a:p>
+          <a:p>
+            <a:pPr lvl="1"/>
+            <a:r>
+              <a:t>cited by an article of interested</a:t>
+            </a:r>
+          </a:p>
+          <a:p>
+            <a:pPr lvl="1"/>
+            <a:r>
+              <a:t>that cite the article of interest</a:t>
+            </a:r>
+          </a:p>
+          <a:p>
+            <a:pPr/>
+            <a:r>
+              <a:t>A research group will often work on similar proteins</a:t>
+            </a:r>
+          </a:p>
+        </p:txBody>
+      </p:sp>
+      <p:sp>
+        <p:nvSpPr>
+          <p:cNvPr id="156" name="Slide Number"/>
           <p:cNvSpPr txBox="1"/>
           <p:nvPr>
             <p:ph type="sldNum" sz="quarter" idx="2"/>
@@ -3793,7 +3958,7 @@
                                       <p:cBhvr>
                                         <p:cTn id="6" fill="hold"/>
                                         <p:tgtEl>
-                                          <p:spTgt spid="150">
+                                          <p:spTgt spid="155">
                                             <p:bg/>
                                           </p:spTgt>
                                         </p:tgtEl>
@@ -3821,7 +3986,7 @@
                                       <p:cBhvr>
                                         <p:cTn id="8" fill="hold"/>
                                         <p:tgtEl>
-                                          <p:spTgt spid="150">
+                                          <p:spTgt spid="155">
                                             <p:txEl>
                                               <p:pRg st="0" end="0"/>
                                             </p:txEl>
@@ -3869,7 +4034,7 @@
                                       <p:cBhvr>
                                         <p:cTn id="12" fill="hold"/>
                                         <p:tgtEl>
-                                          <p:spTgt spid="150">
+                                          <p:spTgt spid="155">
                                             <p:txEl>
                                               <p:pRg st="1" end="1"/>
                                             </p:txEl>
@@ -3917,7 +4082,7 @@
                                       <p:cBhvr>
                                         <p:cTn id="16" fill="hold"/>
                                         <p:tgtEl>
-                                          <p:spTgt spid="150">
+                                          <p:spTgt spid="155">
                                             <p:txEl>
                                               <p:pRg st="2" end="2"/>
                                             </p:txEl>
@@ -3947,7 +4112,7 @@
                                       <p:cBhvr>
                                         <p:cTn id="18" fill="hold"/>
                                         <p:tgtEl>
-                                          <p:spTgt spid="150">
+                                          <p:spTgt spid="155">
                                             <p:txEl>
                                               <p:pRg st="3" end="3"/>
                                             </p:txEl>
@@ -3977,7 +4142,7 @@
                                       <p:cBhvr>
                                         <p:cTn id="20" fill="hold"/>
                                         <p:tgtEl>
-                                          <p:spTgt spid="150">
+                                          <p:spTgt spid="155">
                                             <p:txEl>
                                               <p:pRg st="4" end="4"/>
                                             </p:txEl>
@@ -4025,7 +4190,7 @@
                                       <p:cBhvr>
                                         <p:cTn id="24" fill="hold"/>
                                         <p:tgtEl>
-                                          <p:spTgt spid="150">
+                                          <p:spTgt spid="155">
                                             <p:txEl>
                                               <p:pRg st="5" end="5"/>
                                             </p:txEl>
@@ -4070,13 +4235,13 @@
       </p:par>
     </p:tnLst>
     <p:bldLst>
-      <p:bldP build="p" bldLvl="1" animBg="1" rev="0" advAuto="0" spid="150" grpId="1"/>
+      <p:bldP build="p" bldLvl="1" animBg="1" rev="0" advAuto="0" spid="155" grpId="1"/>
     </p:bldLst>
   </p:timing>
 </p:sld>
 </file>
 
-<file path=ppt/slides/slide5.xml><?xml version="1.0" encoding="utf-8"?>
+<file path=ppt/slides/slide6.xml><?xml version="1.0" encoding="utf-8"?>
 <p:sld xmlns:a="http://schemas.openxmlformats.org/drawingml/2006/main" xmlns:r="http://schemas.openxmlformats.org/officeDocument/2006/relationships" xmlns:p="http://schemas.openxmlformats.org/presentationml/2006/main" xmlns:m="http://schemas.openxmlformats.org/officeDocument/2006/math" xmlns:a14="http://schemas.microsoft.com/office/drawing/2010/main" showMasterSp="1" showMasterPhAnim="1">
   <p:cSld>
     <p:spTree>
@@ -4095,7 +4260,7 @@
       </p:grpSpPr>
       <p:sp>
         <p:nvSpPr>
-          <p:cNvPr id="153" name="Zotero"/>
+          <p:cNvPr id="158" name="Zotero"/>
           <p:cNvSpPr txBox="1"/>
           <p:nvPr>
             <p:ph type="title"/>
@@ -4119,7 +4284,7 @@
       </p:sp>
       <p:sp>
         <p:nvSpPr>
-          <p:cNvPr id="154" name="Open source and free…"/>
+          <p:cNvPr id="159" name="Open source and free…"/>
           <p:cNvSpPr txBox="1"/>
           <p:nvPr>
             <p:ph type="body" idx="1"/>
@@ -4179,7 +4344,7 @@
       </p:sp>
       <p:sp>
         <p:nvSpPr>
-          <p:cNvPr id="155" name="Slide Number"/>
+          <p:cNvPr id="160" name="Slide Number"/>
           <p:cNvSpPr txBox="1"/>
           <p:nvPr>
             <p:ph type="sldNum" sz="quarter" idx="2"/>

--- a/slides/09-16-Scientific_Literature.pptx
+++ b/slides/09-16-Scientific_Literature.pptx
@@ -3394,35 +3394,43 @@
           <a:bodyPr/>
           <a:lstStyle/>
           <a:p>
-            <a:pPr marL="598840" indent="-598840" defTabSz="796885">
-              <a:defRPr sz="4850"/>
+            <a:pPr marL="586493" indent="-586493" defTabSz="780454">
+              <a:defRPr sz="4750"/>
             </a:pPr>
             <a:r>
               <a:t>Go to the Canvas page and look under “Assignments” to find Quiz 1.</a:t>
             </a:r>
           </a:p>
           <a:p>
-            <a:pPr marL="598840" indent="-598840" defTabSz="796885">
-              <a:defRPr sz="4850"/>
+            <a:pPr marL="586493" indent="-586493" defTabSz="780454">
+              <a:defRPr sz="4750"/>
             </a:pPr>
             <a:r>
               <a:t>Download the file</a:t>
             </a:r>
           </a:p>
           <a:p>
-            <a:pPr marL="598840" indent="-598840" defTabSz="796885">
-              <a:defRPr sz="4850"/>
+            <a:pPr marL="586493" indent="-586493" defTabSz="780454">
+              <a:defRPr sz="4750"/>
             </a:pPr>
             <a:r>
-              <a:t>Upload it to your shared folder on Google Drive under  “Exercises”</a:t>
-            </a:r>
-          </a:p>
-          <a:p>
-            <a:pPr marL="598840" indent="-598840" defTabSz="796885">
-              <a:defRPr sz="4850"/>
+              <a:t>Upload it to your shared folder on Google Drive under  “quizzes”</a:t>
+            </a:r>
+          </a:p>
+          <a:p>
+            <a:pPr marL="586493" indent="-586493" defTabSz="780454">
+              <a:defRPr sz="4750"/>
             </a:pPr>
             <a:r>
               <a:t>Work on it. Save it at the end of the quiz.</a:t>
+            </a:r>
+          </a:p>
+          <a:p>
+            <a:pPr marL="586493" indent="-586493" defTabSz="780454">
+              <a:defRPr sz="4750"/>
+            </a:pPr>
+            <a:r>
+              <a:t>Submit it on Canvas.</a:t>
             </a:r>
           </a:p>
         </p:txBody>
